--- a/reports/Data Challenge – Fraud detection.pptx
+++ b/reports/Data Challenge – Fraud detection.pptx
@@ -249,7 +249,7 @@
           <a:p>
             <a:fld id="{EF1077DB-935E-4A0A-947A-D283B9F9F452}" type="datetimeFigureOut">
               <a:rPr lang="en-US" smtClean="0"/>
-              <a:t>2/27/2023</a:t>
+              <a:t>2/28/2023</a:t>
             </a:fld>
             <a:endParaRPr lang="en-US" dirty="0"/>
           </a:p>
@@ -426,7 +426,7 @@
           <a:p>
             <a:fld id="{2D9EC30E-1A71-4188-9BE7-E2A64929A436}" type="datetimeFigureOut">
               <a:rPr lang="en-US" noProof="0" smtClean="0"/>
-              <a:t>2/27/2023</a:t>
+              <a:t>2/28/2023</a:t>
             </a:fld>
             <a:endParaRPr lang="en-US" noProof="0" dirty="0"/>
           </a:p>
@@ -7857,7 +7857,7 @@
                 </a:solidFill>
               </a:rPr>
               <a:pPr/>
-              <a:t>2/27/2023</a:t>
+              <a:t>2/28/2023</a:t>
             </a:fld>
             <a:endParaRPr lang="en-US" sz="1100" dirty="0">
               <a:solidFill>
@@ -9172,7 +9172,7 @@
                 <a:latin typeface="Times New Roman" panose="02020603050405020304" pitchFamily="18" charset="0"/>
                 <a:cs typeface="Times New Roman" panose="02020603050405020304" pitchFamily="18" charset="0"/>
               </a:rPr>
-              <a:t>Fraud is a problem for any bank and it is a cost of bank.  </a:t>
+              <a:t>Fraud is a problem for any bank. Fraud can take many forms, whether it is someone stealing a single credit card, to large batches of stolen credit card numbers being used on the web, or even a mass compromise of credit card numbers stolen from a merchant via tools like credit card skimming devices.</a:t>
             </a:r>
           </a:p>
           <a:p>
@@ -9194,7 +9194,7 @@
                 <a:latin typeface="Times New Roman" panose="02020603050405020304" pitchFamily="18" charset="0"/>
                 <a:cs typeface="Times New Roman" panose="02020603050405020304" pitchFamily="18" charset="0"/>
               </a:rPr>
-              <a:t>We want to build a classification model to detect the fraud at transaction level. </a:t>
+              <a:t>This project need to build a binary classification model (also can report the probability of fraudulent) to detect the fraud at the transaction level. </a:t>
             </a:r>
           </a:p>
         </p:txBody>
@@ -10104,11 +10104,8 @@
             </a:pPr>
             <a:r>
               <a:rPr lang="en-US" sz="1400" dirty="0"/>
-              <a:t>Check the distribution of the dependent variable</a:t>
-            </a:r>
-          </a:p>
-          <a:p>
-            <a:pPr algn="ctr"/>
+              <a:t>Check the distribution of the predictor variable</a:t>
+            </a:r>
             <a:endParaRPr lang="en-US" b="1" dirty="0">
               <a:latin typeface="+mj-lt"/>
               <a:cs typeface="Biome Light" panose="020B0303030204020804" pitchFamily="34" charset="0"/>
@@ -11107,7 +11104,7 @@
                 <a:latin typeface="Times New Roman" panose="02020603050405020304" pitchFamily="18" charset="0"/>
                 <a:cs typeface="Times New Roman" panose="02020603050405020304" pitchFamily="18" charset="0"/>
               </a:rPr>
-              <a:t>When deploying this model, a blacklist of user or store can be added before running this model. </a:t>
+              <a:t>When deploying this model, a blacklist of user or shopper can be added before running this model. </a:t>
             </a:r>
             <a:endParaRPr lang="en-US" sz="2000" dirty="0">
               <a:latin typeface="Times New Roman" panose="02020603050405020304" pitchFamily="18" charset="0"/>
@@ -11130,7 +11127,7 @@
                 <a:latin typeface="Times New Roman" panose="02020603050405020304" pitchFamily="18" charset="0"/>
                 <a:cs typeface="Times New Roman" panose="02020603050405020304" pitchFamily="18" charset="0"/>
               </a:rPr>
-              <a:t>This model can report the probability of the fraud as the input for the following model.</a:t>
+              <a:t>This model can report the probability of the fraud, which can be the input for the following model.</a:t>
             </a:r>
           </a:p>
           <a:p>
@@ -11220,7 +11217,7 @@
                 <a:latin typeface="Times New Roman" panose="02020603050405020304" pitchFamily="18" charset="0"/>
                 <a:cs typeface="Times New Roman" panose="02020603050405020304" pitchFamily="18" charset="0"/>
               </a:rPr>
-              <a:t>Some anomaly detection methods were tried in this study, such as Local Outlier Factor and Isolation Forest. </a:t>
+              <a:t>Some anomaly detection methods can be tried in this study, such as Local Outlier Factor and Isolation Forest. </a:t>
             </a:r>
           </a:p>
           <a:p>
@@ -11239,7 +11236,7 @@
                 <a:latin typeface="Times New Roman" panose="02020603050405020304" pitchFamily="18" charset="0"/>
                 <a:cs typeface="Times New Roman" panose="02020603050405020304" pitchFamily="18" charset="0"/>
               </a:rPr>
-              <a:t>For feature engineering, </a:t>
+              <a:t>For imbalance data, </a:t>
             </a:r>
             <a:r>
               <a:rPr lang="en-US" sz="2000" dirty="0" err="1">
@@ -11253,7 +11250,7 @@
                 <a:latin typeface="Times New Roman" panose="02020603050405020304" pitchFamily="18" charset="0"/>
                 <a:cs typeface="Times New Roman" panose="02020603050405020304" pitchFamily="18" charset="0"/>
               </a:rPr>
-              <a:t> method was tried for </a:t>
+              <a:t> and SMOTE methods can be tried for </a:t>
             </a:r>
             <a:r>
               <a:rPr lang="en-US" sz="2000" dirty="0" err="1">
@@ -11267,8 +11264,19 @@
                 <a:latin typeface="Times New Roman" panose="02020603050405020304" pitchFamily="18" charset="0"/>
                 <a:cs typeface="Times New Roman" panose="02020603050405020304" pitchFamily="18" charset="0"/>
               </a:rPr>
-              <a:t> the majority class, but it is too slow. </a:t>
-            </a:r>
+              <a:t> the majority class</a:t>
+            </a:r>
+            <a:r>
+              <a:rPr lang="en-US" dirty="0">
+                <a:latin typeface="Times New Roman" panose="02020603050405020304" pitchFamily="18" charset="0"/>
+                <a:cs typeface="Times New Roman" panose="02020603050405020304" pitchFamily="18" charset="0"/>
+              </a:rPr>
+              <a:t> or oversampling the minority class</a:t>
+            </a:r>
+            <a:endParaRPr lang="en-US" sz="2000" dirty="0">
+              <a:latin typeface="Times New Roman" panose="02020603050405020304" pitchFamily="18" charset="0"/>
+              <a:cs typeface="Times New Roman" panose="02020603050405020304" pitchFamily="18" charset="0"/>
+            </a:endParaRPr>
           </a:p>
         </p:txBody>
       </p:sp>
@@ -11423,7 +11431,7 @@
                 <a:latin typeface="Times New Roman" panose="02020603050405020304" pitchFamily="18" charset="0"/>
                 <a:cs typeface="Times New Roman" panose="02020603050405020304" pitchFamily="18" charset="0"/>
               </a:rPr>
-              <a:t>Next step: model implementation (big data or on-time) and model monitoring (model retrain).</a:t>
+              <a:t>Next step: model implementation (big data or on-time), model monitoring, and model retrain.</a:t>
             </a:r>
           </a:p>
           <a:p>
@@ -12356,12 +12364,12 @@
 </file>
 
 <file path=customXml/item1.xml><?xml version="1.0" encoding="utf-8"?>
-<?mso-contentType ?>
-<FormTemplates xmlns="http://schemas.microsoft.com/sharepoint/v3/contenttype/forms">
-  <Display>DocumentLibraryForm</Display>
-  <Edit>DocumentLibraryForm</Edit>
-  <New>DocumentLibraryForm</New>
-</FormTemplates>
+<p:properties xmlns:p="http://schemas.microsoft.com/office/2006/metadata/properties" xmlns:xsi="http://www.w3.org/2001/XMLSchema-instance" xmlns:pc="http://schemas.microsoft.com/office/infopath/2007/PartnerControls">
+  <documentManagement>
+    <Status xmlns="71af3243-3dd4-4a8d-8c0d-dd76da1f02a5">Not started</Status>
+    <MediaServiceKeyPoints xmlns="71af3243-3dd4-4a8d-8c0d-dd76da1f02a5" xsi:nil="true"/>
+  </documentManagement>
+</p:properties>
 </file>
 
 <file path=customXml/item2.xml><?xml version="1.0" encoding="utf-8"?>
@@ -12586,18 +12594,20 @@
 </file>
 
 <file path=customXml/item3.xml><?xml version="1.0" encoding="utf-8"?>
-<p:properties xmlns:p="http://schemas.microsoft.com/office/2006/metadata/properties" xmlns:xsi="http://www.w3.org/2001/XMLSchema-instance" xmlns:pc="http://schemas.microsoft.com/office/infopath/2007/PartnerControls">
-  <documentManagement>
-    <Status xmlns="71af3243-3dd4-4a8d-8c0d-dd76da1f02a5">Not started</Status>
-    <MediaServiceKeyPoints xmlns="71af3243-3dd4-4a8d-8c0d-dd76da1f02a5" xsi:nil="true"/>
-  </documentManagement>
-</p:properties>
+<?mso-contentType ?>
+<FormTemplates xmlns="http://schemas.microsoft.com/sharepoint/v3/contenttype/forms">
+  <Display>DocumentLibraryForm</Display>
+  <Edit>DocumentLibraryForm</Edit>
+  <New>DocumentLibraryForm</New>
+</FormTemplates>
 </file>
 
 <file path=customXml/itemProps1.xml><?xml version="1.0" encoding="utf-8"?>
-<ds:datastoreItem xmlns:ds="http://schemas.openxmlformats.org/officeDocument/2006/customXml" ds:itemID="{05D99ABA-76CE-4A8E-B5F0-C051B96628DE}">
+<ds:datastoreItem xmlns:ds="http://schemas.openxmlformats.org/officeDocument/2006/customXml" ds:itemID="{4DEA9014-ED64-4558-B1E1-D03F0EE32BEB}">
   <ds:schemaRefs>
-    <ds:schemaRef ds:uri="http://schemas.microsoft.com/sharepoint/v3/contenttype/forms"/>
+    <ds:schemaRef ds:uri="http://schemas.microsoft.com/office/2006/metadata/properties"/>
+    <ds:schemaRef ds:uri="http://schemas.microsoft.com/office/infopath/2007/PartnerControls"/>
+    <ds:schemaRef ds:uri="71af3243-3dd4-4a8d-8c0d-dd76da1f02a5"/>
   </ds:schemaRefs>
 </ds:datastoreItem>
 </file>
@@ -12622,11 +12632,9 @@
 </file>
 
 <file path=customXml/itemProps3.xml><?xml version="1.0" encoding="utf-8"?>
-<ds:datastoreItem xmlns:ds="http://schemas.openxmlformats.org/officeDocument/2006/customXml" ds:itemID="{4DEA9014-ED64-4558-B1E1-D03F0EE32BEB}">
+<ds:datastoreItem xmlns:ds="http://schemas.openxmlformats.org/officeDocument/2006/customXml" ds:itemID="{05D99ABA-76CE-4A8E-B5F0-C051B96628DE}">
   <ds:schemaRefs>
-    <ds:schemaRef ds:uri="http://schemas.microsoft.com/office/2006/metadata/properties"/>
-    <ds:schemaRef ds:uri="http://schemas.microsoft.com/office/infopath/2007/PartnerControls"/>
-    <ds:schemaRef ds:uri="71af3243-3dd4-4a8d-8c0d-dd76da1f02a5"/>
+    <ds:schemaRef ds:uri="http://schemas.microsoft.com/sharepoint/v3/contenttype/forms"/>
   </ds:schemaRefs>
 </ds:datastoreItem>
 </file>